--- a/vs-form.pptx
+++ b/vs-form.pptx
@@ -104,6 +104,11 @@
       </a:defRPr>
     </a:lvl9pPr>
   </p:defaultTextStyle>
+  <p:extLst>
+    <p:ext uri="{EFAFB233-063F-42B5-8137-9DF3F51BA10A}">
+      <p15:sldGuideLst xmlns:p15="http://schemas.microsoft.com/office/powerpoint/2012/main"/>
+    </p:ext>
+  </p:extLst>
 </p:presentation>
 </file>
 
@@ -3360,43 +3365,42 @@
         </p:nvSpPr>
         <p:spPr>
           <a:xfrm>
-            <a:off x="3785347" y="1122363"/>
-            <a:ext cx="4410635" cy="995549"/>
+            <a:off x="3785348" y="1335974"/>
+            <a:ext cx="3797048" cy="781938"/>
           </a:xfrm>
         </p:spPr>
         <p:txBody>
-          <a:bodyPr/>
-          <a:lstStyle/>
-          <a:p>
-            <a:r>
-              <a:rPr lang="de-DE" b="1" i="1" dirty="0" err="1">
+          <a:bodyPr>
+            <a:normAutofit/>
+          </a:bodyPr>
+          <a:lstStyle/>
+          <a:p>
+            <a:r>
+              <a:rPr lang="de-DE" sz="4000" b="1" i="1" dirty="0" err="1">
                 <a:solidFill>
-                  <a:schemeClr val="accent6">
-                    <a:lumMod val="40000"/>
-                    <a:lumOff val="60000"/>
-                  </a:schemeClr>
+                  <a:srgbClr val="92D050"/>
                 </a:solidFill>
+                <a:latin typeface="Arial Rounded MT Bold" panose="020F0704030504030204" pitchFamily="34" charset="0"/>
+                <a:cs typeface="Aparajita" panose="020B0502040204020203" pitchFamily="18" charset="0"/>
               </a:rPr>
               <a:t>vs</a:t>
             </a:r>
             <a:r>
-              <a:rPr lang="de-DE" b="1" i="1" dirty="0">
+              <a:rPr lang="de-DE" sz="4000" b="1" i="1" dirty="0">
                 <a:solidFill>
-                  <a:schemeClr val="accent6">
-                    <a:lumMod val="40000"/>
-                    <a:lumOff val="60000"/>
-                  </a:schemeClr>
+                  <a:srgbClr val="92D050"/>
                 </a:solidFill>
+                <a:latin typeface="Arial Rounded MT Bold" panose="020F0704030504030204" pitchFamily="34" charset="0"/>
+                <a:cs typeface="Aparajita" panose="020B0502040204020203" pitchFamily="18" charset="0"/>
               </a:rPr>
               <a:t>-form</a:t>
             </a:r>
-            <a:endParaRPr lang="de-CH" b="1" i="1" dirty="0">
+            <a:endParaRPr lang="de-CH" sz="4000" b="1" i="1" dirty="0">
               <a:solidFill>
-                <a:schemeClr val="accent6">
-                  <a:lumMod val="40000"/>
-                  <a:lumOff val="60000"/>
-                </a:schemeClr>
+                <a:srgbClr val="92D050"/>
               </a:solidFill>
+              <a:latin typeface="Arial Rounded MT Bold" panose="020F0704030504030204" pitchFamily="34" charset="0"/>
+              <a:cs typeface="Aparajita" panose="020B0502040204020203" pitchFamily="18" charset="0"/>
             </a:endParaRPr>
           </a:p>
         </p:txBody>
@@ -3461,8 +3465,8 @@
         </p:blipFill>
         <p:spPr>
           <a:xfrm>
-            <a:off x="3892138" y="1143000"/>
-            <a:ext cx="914400" cy="914400"/>
+            <a:off x="4123707" y="1543793"/>
+            <a:ext cx="605819" cy="505268"/>
           </a:xfrm>
           <a:prstGeom prst="rect">
             <a:avLst/>
